--- a/dashboard sketch.pptx
+++ b/dashboard sketch.pptx
@@ -3036,6 +3036,20 @@
           </a:p>
           <a:p>
             <a:pPr algn="ctr"/>
+            <a:r>
+              <a:rPr lang="en-US" dirty="0"/>
+              <a:t>Number of drinks</a:t>
+            </a:r>
+          </a:p>
+          <a:p>
+            <a:pPr algn="ctr"/>
+            <a:r>
+              <a:rPr lang="en-US" dirty="0"/>
+              <a:t>Time drinking</a:t>
+            </a:r>
+          </a:p>
+          <a:p>
+            <a:pPr algn="ctr"/>
             <a:endParaRPr lang="en-US" dirty="0"/>
           </a:p>
           <a:p>
@@ -3234,7 +3248,7 @@
             <a:pPr algn="ctr"/>
             <a:r>
               <a:rPr lang="en-US" u="sng" dirty="0"/>
-              <a:t>Disclaimer?</a:t>
+              <a:t>Disclaimer? (include the BRAD information)</a:t>
             </a:r>
           </a:p>
         </p:txBody>
@@ -3283,7 +3297,7 @@
             <a:pPr algn="ctr"/>
             <a:r>
               <a:rPr lang="en-US" u="sng" dirty="0"/>
-              <a:t>Disclaimer?</a:t>
+              <a:t>Disclaimer? (include the BRAD information)</a:t>
             </a:r>
           </a:p>
         </p:txBody>
@@ -3346,7 +3360,7 @@
             <a:pPr algn="ctr"/>
             <a:r>
               <a:rPr lang="en-US" dirty="0"/>
-              <a:t>Other?</a:t>
+              <a:t>Bars</a:t>
             </a:r>
           </a:p>
           <a:p>
